--- a/Heppenix(Valeo).pptx
+++ b/Heppenix(Valeo).pptx
@@ -11,6 +11,9 @@
     <p:sldId id="260" r:id="rId5"/>
     <p:sldId id="258" r:id="rId6"/>
     <p:sldId id="261" r:id="rId7"/>
+    <p:sldId id="264" r:id="rId8"/>
+    <p:sldId id="262" r:id="rId9"/>
+    <p:sldId id="263" r:id="rId10"/>
   </p:sldIdLst>
   <p:sldSz cx="12192000" cy="6858000"/>
   <p:notesSz cx="6858000" cy="9144000"/>
@@ -109,6 +112,11 @@
       </a:defRPr>
     </a:lvl9pPr>
   </p:defaultTextStyle>
+  <p:extLst>
+    <p:ext uri="{EFAFB233-063F-42B5-8137-9DF3F51BA10A}">
+      <p15:sldGuideLst xmlns:p15="http://schemas.microsoft.com/office/powerpoint/2012/main"/>
+    </p:ext>
+  </p:extLst>
 </p:presentation>
 </file>
 
@@ -255,7 +263,7 @@
           <a:p>
             <a:fld id="{0E5BC345-124B-4106-B702-C89126D5F0E2}" type="datetimeFigureOut">
               <a:rPr lang="hu-HU" smtClean="0"/>
-              <a:t>2022.09.09.</a:t>
+              <a:t>2022.09.14.</a:t>
             </a:fld>
             <a:endParaRPr lang="hu-HU"/>
           </a:p>
@@ -425,7 +433,7 @@
           <a:p>
             <a:fld id="{0E5BC345-124B-4106-B702-C89126D5F0E2}" type="datetimeFigureOut">
               <a:rPr lang="hu-HU" smtClean="0"/>
-              <a:t>2022.09.09.</a:t>
+              <a:t>2022.09.14.</a:t>
             </a:fld>
             <a:endParaRPr lang="hu-HU"/>
           </a:p>
@@ -605,7 +613,7 @@
           <a:p>
             <a:fld id="{0E5BC345-124B-4106-B702-C89126D5F0E2}" type="datetimeFigureOut">
               <a:rPr lang="hu-HU" smtClean="0"/>
-              <a:t>2022.09.09.</a:t>
+              <a:t>2022.09.14.</a:t>
             </a:fld>
             <a:endParaRPr lang="hu-HU"/>
           </a:p>
@@ -775,7 +783,7 @@
           <a:p>
             <a:fld id="{0E5BC345-124B-4106-B702-C89126D5F0E2}" type="datetimeFigureOut">
               <a:rPr lang="hu-HU" smtClean="0"/>
-              <a:t>2022.09.09.</a:t>
+              <a:t>2022.09.14.</a:t>
             </a:fld>
             <a:endParaRPr lang="hu-HU"/>
           </a:p>
@@ -1021,7 +1029,7 @@
           <a:p>
             <a:fld id="{0E5BC345-124B-4106-B702-C89126D5F0E2}" type="datetimeFigureOut">
               <a:rPr lang="hu-HU" smtClean="0"/>
-              <a:t>2022.09.09.</a:t>
+              <a:t>2022.09.14.</a:t>
             </a:fld>
             <a:endParaRPr lang="hu-HU"/>
           </a:p>
@@ -1253,7 +1261,7 @@
           <a:p>
             <a:fld id="{0E5BC345-124B-4106-B702-C89126D5F0E2}" type="datetimeFigureOut">
               <a:rPr lang="hu-HU" smtClean="0"/>
-              <a:t>2022.09.09.</a:t>
+              <a:t>2022.09.14.</a:t>
             </a:fld>
             <a:endParaRPr lang="hu-HU"/>
           </a:p>
@@ -1620,7 +1628,7 @@
           <a:p>
             <a:fld id="{0E5BC345-124B-4106-B702-C89126D5F0E2}" type="datetimeFigureOut">
               <a:rPr lang="hu-HU" smtClean="0"/>
-              <a:t>2022.09.09.</a:t>
+              <a:t>2022.09.14.</a:t>
             </a:fld>
             <a:endParaRPr lang="hu-HU"/>
           </a:p>
@@ -1738,7 +1746,7 @@
           <a:p>
             <a:fld id="{0E5BC345-124B-4106-B702-C89126D5F0E2}" type="datetimeFigureOut">
               <a:rPr lang="hu-HU" smtClean="0"/>
-              <a:t>2022.09.09.</a:t>
+              <a:t>2022.09.14.</a:t>
             </a:fld>
             <a:endParaRPr lang="hu-HU"/>
           </a:p>
@@ -1833,7 +1841,7 @@
           <a:p>
             <a:fld id="{0E5BC345-124B-4106-B702-C89126D5F0E2}" type="datetimeFigureOut">
               <a:rPr lang="hu-HU" smtClean="0"/>
-              <a:t>2022.09.09.</a:t>
+              <a:t>2022.09.14.</a:t>
             </a:fld>
             <a:endParaRPr lang="hu-HU"/>
           </a:p>
@@ -2110,7 +2118,7 @@
           <a:p>
             <a:fld id="{0E5BC345-124B-4106-B702-C89126D5F0E2}" type="datetimeFigureOut">
               <a:rPr lang="hu-HU" smtClean="0"/>
-              <a:t>2022.09.09.</a:t>
+              <a:t>2022.09.14.</a:t>
             </a:fld>
             <a:endParaRPr lang="hu-HU"/>
           </a:p>
@@ -2363,7 +2371,7 @@
           <a:p>
             <a:fld id="{0E5BC345-124B-4106-B702-C89126D5F0E2}" type="datetimeFigureOut">
               <a:rPr lang="hu-HU" smtClean="0"/>
-              <a:t>2022.09.09.</a:t>
+              <a:t>2022.09.14.</a:t>
             </a:fld>
             <a:endParaRPr lang="hu-HU"/>
           </a:p>
@@ -2576,7 +2584,7 @@
           <a:p>
             <a:fld id="{0E5BC345-124B-4106-B702-C89126D5F0E2}" type="datetimeFigureOut">
               <a:rPr lang="hu-HU" smtClean="0"/>
-              <a:t>2022.09.09.</a:t>
+              <a:t>2022.09.14.</a:t>
             </a:fld>
             <a:endParaRPr lang="hu-HU"/>
           </a:p>
@@ -3007,7 +3015,7 @@
         <p:spPr>
           <a:xfrm>
             <a:off x="0" y="2434442"/>
-            <a:ext cx="4250577" cy="1437468"/>
+            <a:ext cx="3965331" cy="1437468"/>
           </a:xfrm>
           <a:prstGeom prst="rect">
             <a:avLst/>
@@ -3030,7 +3038,7 @@
         </p:blipFill>
         <p:spPr>
           <a:xfrm>
-            <a:off x="8915194" y="2434443"/>
+            <a:off x="8915194" y="2434442"/>
             <a:ext cx="3276806" cy="1437467"/>
           </a:xfrm>
           <a:prstGeom prst="rect">
@@ -3089,6 +3097,173 @@
               <a:t>iktor</a:t>
             </a:r>
             <a:endParaRPr lang="hu-HU" sz="2000" dirty="0">
+              <a:latin typeface="Times New Roman" panose="02020603050405020304" pitchFamily="18" charset="0"/>
+              <a:cs typeface="Times New Roman" panose="02020603050405020304" pitchFamily="18" charset="0"/>
+            </a:endParaRPr>
+          </a:p>
+        </p:txBody>
+      </p:sp>
+      <p:sp>
+        <p:nvSpPr>
+          <p:cNvPr id="2" name="Szövegdoboz 1"/>
+          <p:cNvSpPr txBox="1"/>
+          <p:nvPr/>
+        </p:nvSpPr>
+        <p:spPr>
+          <a:xfrm>
+            <a:off x="4378569" y="184639"/>
+            <a:ext cx="2877711" cy="707886"/>
+          </a:xfrm>
+          <a:prstGeom prst="rect">
+            <a:avLst/>
+          </a:prstGeom>
+          <a:noFill/>
+        </p:spPr>
+        <p:txBody>
+          <a:bodyPr wrap="none" rtlCol="0">
+            <a:spAutoFit/>
+          </a:bodyPr>
+          <a:lstStyle/>
+          <a:p>
+            <a:r>
+              <a:rPr lang="hu-HU" sz="4000" dirty="0" smtClean="0">
+                <a:latin typeface="Times New Roman" panose="02020603050405020304" pitchFamily="18" charset="0"/>
+                <a:cs typeface="Times New Roman" panose="02020603050405020304" pitchFamily="18" charset="0"/>
+              </a:rPr>
+              <a:t>Nyári munka</a:t>
+            </a:r>
+            <a:endParaRPr lang="hu-HU" sz="4000" dirty="0">
+              <a:latin typeface="Times New Roman" panose="02020603050405020304" pitchFamily="18" charset="0"/>
+              <a:cs typeface="Times New Roman" panose="02020603050405020304" pitchFamily="18" charset="0"/>
+            </a:endParaRPr>
+          </a:p>
+        </p:txBody>
+      </p:sp>
+      <p:sp>
+        <p:nvSpPr>
+          <p:cNvPr id="3" name="Szövegdoboz 2"/>
+          <p:cNvSpPr txBox="1"/>
+          <p:nvPr/>
+        </p:nvSpPr>
+        <p:spPr>
+          <a:xfrm>
+            <a:off x="105508" y="4009292"/>
+            <a:ext cx="2206053" cy="830997"/>
+          </a:xfrm>
+          <a:prstGeom prst="rect">
+            <a:avLst/>
+          </a:prstGeom>
+          <a:noFill/>
+        </p:spPr>
+        <p:txBody>
+          <a:bodyPr wrap="none" rtlCol="0">
+            <a:spAutoFit/>
+          </a:bodyPr>
+          <a:lstStyle/>
+          <a:p>
+            <a:r>
+              <a:rPr lang="hu-HU" sz="1600" dirty="0" smtClean="0">
+                <a:latin typeface="Times New Roman" panose="02020603050405020304" pitchFamily="18" charset="0"/>
+                <a:cs typeface="Times New Roman" panose="02020603050405020304" pitchFamily="18" charset="0"/>
+              </a:rPr>
+              <a:t>Robotok programozása: </a:t>
+            </a:r>
+          </a:p>
+          <a:p>
+            <a:r>
+              <a:rPr lang="hu-HU" sz="1600" dirty="0" smtClean="0">
+                <a:latin typeface="Times New Roman" panose="02020603050405020304" pitchFamily="18" charset="0"/>
+                <a:cs typeface="Times New Roman" panose="02020603050405020304" pitchFamily="18" charset="0"/>
+              </a:rPr>
+              <a:t>Mitsubishi </a:t>
+            </a:r>
+          </a:p>
+          <a:p>
+            <a:r>
+              <a:rPr lang="hu-HU" sz="1600" dirty="0" err="1" smtClean="0">
+                <a:latin typeface="Times New Roman" panose="02020603050405020304" pitchFamily="18" charset="0"/>
+                <a:cs typeface="Times New Roman" panose="02020603050405020304" pitchFamily="18" charset="0"/>
+              </a:rPr>
+              <a:t>Universal</a:t>
+            </a:r>
+            <a:r>
+              <a:rPr lang="hu-HU" sz="1600" dirty="0" smtClean="0">
+                <a:latin typeface="Times New Roman" panose="02020603050405020304" pitchFamily="18" charset="0"/>
+                <a:cs typeface="Times New Roman" panose="02020603050405020304" pitchFamily="18" charset="0"/>
+              </a:rPr>
+              <a:t> </a:t>
+            </a:r>
+            <a:endParaRPr lang="hu-HU" sz="1600" dirty="0">
+              <a:latin typeface="Times New Roman" panose="02020603050405020304" pitchFamily="18" charset="0"/>
+              <a:cs typeface="Times New Roman" panose="02020603050405020304" pitchFamily="18" charset="0"/>
+            </a:endParaRPr>
+          </a:p>
+        </p:txBody>
+      </p:sp>
+      <p:sp>
+        <p:nvSpPr>
+          <p:cNvPr id="5" name="Szövegdoboz 4"/>
+          <p:cNvSpPr txBox="1"/>
+          <p:nvPr/>
+        </p:nvSpPr>
+        <p:spPr>
+          <a:xfrm>
+            <a:off x="8845061" y="4009292"/>
+            <a:ext cx="2581156" cy="1077218"/>
+          </a:xfrm>
+          <a:prstGeom prst="rect">
+            <a:avLst/>
+          </a:prstGeom>
+          <a:noFill/>
+        </p:spPr>
+        <p:txBody>
+          <a:bodyPr wrap="none" rtlCol="0">
+            <a:spAutoFit/>
+          </a:bodyPr>
+          <a:lstStyle/>
+          <a:p>
+            <a:r>
+              <a:rPr lang="hu-HU" sz="1600" dirty="0" smtClean="0">
+                <a:latin typeface="Times New Roman" panose="02020603050405020304" pitchFamily="18" charset="0"/>
+                <a:cs typeface="Times New Roman" panose="02020603050405020304" pitchFamily="18" charset="0"/>
+              </a:rPr>
+              <a:t>Autóalkatrészek beszállítása:</a:t>
+            </a:r>
+          </a:p>
+          <a:p>
+            <a:r>
+              <a:rPr lang="hu-HU" sz="1600" dirty="0" err="1" smtClean="0">
+                <a:latin typeface="Times New Roman" panose="02020603050405020304" pitchFamily="18" charset="0"/>
+                <a:cs typeface="Times New Roman" panose="02020603050405020304" pitchFamily="18" charset="0"/>
+              </a:rPr>
+              <a:t>Stellantis</a:t>
+            </a:r>
+            <a:r>
+              <a:rPr lang="hu-HU" sz="1600" dirty="0" smtClean="0">
+                <a:latin typeface="Times New Roman" panose="02020603050405020304" pitchFamily="18" charset="0"/>
+                <a:cs typeface="Times New Roman" panose="02020603050405020304" pitchFamily="18" charset="0"/>
+              </a:rPr>
+              <a:t> csoport</a:t>
+            </a:r>
+          </a:p>
+          <a:p>
+            <a:r>
+              <a:rPr lang="hu-HU" sz="1600" dirty="0" smtClean="0">
+                <a:latin typeface="Times New Roman" panose="02020603050405020304" pitchFamily="18" charset="0"/>
+                <a:cs typeface="Times New Roman" panose="02020603050405020304" pitchFamily="18" charset="0"/>
+              </a:rPr>
+              <a:t>BMW</a:t>
+            </a:r>
+          </a:p>
+          <a:p>
+            <a:r>
+              <a:rPr lang="hu-HU" sz="1600" dirty="0" smtClean="0">
+                <a:latin typeface="Times New Roman" panose="02020603050405020304" pitchFamily="18" charset="0"/>
+                <a:cs typeface="Times New Roman" panose="02020603050405020304" pitchFamily="18" charset="0"/>
+              </a:rPr>
+              <a:t>Renault</a:t>
+            </a:r>
+            <a:endParaRPr lang="hu-HU" sz="1600" dirty="0">
               <a:latin typeface="Times New Roman" panose="02020603050405020304" pitchFamily="18" charset="0"/>
               <a:cs typeface="Times New Roman" panose="02020603050405020304" pitchFamily="18" charset="0"/>
             </a:endParaRPr>
@@ -5198,6 +5373,888 @@
 </p:sld>
 </file>
 
+<file path=ppt/slides/slide7.xml><?xml version="1.0" encoding="utf-8"?>
+<p:sld xmlns:a="http://schemas.openxmlformats.org/drawingml/2006/main" xmlns:r="http://schemas.openxmlformats.org/officeDocument/2006/relationships" xmlns:p="http://schemas.openxmlformats.org/presentationml/2006/main">
+  <p:cSld>
+    <p:bg>
+      <p:bgPr>
+        <a:blipFill dpi="0" rotWithShape="1">
+          <a:blip r:embed="rId2">
+            <a:lum/>
+          </a:blip>
+          <a:srcRect/>
+          <a:stretch>
+            <a:fillRect t="-5000" b="-5000"/>
+          </a:stretch>
+        </a:blipFill>
+        <a:effectLst/>
+      </p:bgPr>
+    </p:bg>
+    <p:spTree>
+      <p:nvGrpSpPr>
+        <p:cNvPr id="1" name=""/>
+        <p:cNvGrpSpPr/>
+        <p:nvPr/>
+      </p:nvGrpSpPr>
+      <p:grpSpPr>
+        <a:xfrm>
+          <a:off x="0" y="0"/>
+          <a:ext cx="0" cy="0"/>
+          <a:chOff x="0" y="0"/>
+          <a:chExt cx="0" cy="0"/>
+        </a:xfrm>
+      </p:grpSpPr>
+    </p:spTree>
+    <p:extLst>
+      <p:ext uri="{BB962C8B-B14F-4D97-AF65-F5344CB8AC3E}">
+        <p14:creationId xmlns:p14="http://schemas.microsoft.com/office/powerpoint/2010/main" val="4156931955"/>
+      </p:ext>
+    </p:extLst>
+  </p:cSld>
+  <p:clrMapOvr>
+    <a:masterClrMapping/>
+  </p:clrMapOvr>
+  <p:timing>
+    <p:tnLst>
+      <p:par>
+        <p:cTn id="1" dur="indefinite" restart="never" nodeType="tmRoot"/>
+      </p:par>
+    </p:tnLst>
+  </p:timing>
+</p:sld>
+</file>
+
+<file path=ppt/slides/slide8.xml><?xml version="1.0" encoding="utf-8"?>
+<p:sld xmlns:a="http://schemas.openxmlformats.org/drawingml/2006/main" xmlns:r="http://schemas.openxmlformats.org/officeDocument/2006/relationships" xmlns:p="http://schemas.openxmlformats.org/presentationml/2006/main">
+  <p:cSld>
+    <p:bg>
+      <p:bgPr>
+        <a:blipFill>
+          <a:blip r:embed="rId2"/>
+          <a:tile tx="0" ty="0" sx="100000" sy="100000" flip="none" algn="tl"/>
+        </a:blipFill>
+        <a:effectLst/>
+      </p:bgPr>
+    </p:bg>
+    <p:spTree>
+      <p:nvGrpSpPr>
+        <p:cNvPr id="1" name=""/>
+        <p:cNvGrpSpPr/>
+        <p:nvPr/>
+      </p:nvGrpSpPr>
+      <p:grpSpPr>
+        <a:xfrm>
+          <a:off x="0" y="0"/>
+          <a:ext cx="0" cy="0"/>
+          <a:chOff x="0" y="0"/>
+          <a:chExt cx="0" cy="0"/>
+        </a:xfrm>
+      </p:grpSpPr>
+      <p:sp>
+        <p:nvSpPr>
+          <p:cNvPr id="2" name="Szövegdoboz 1"/>
+          <p:cNvSpPr txBox="1"/>
+          <p:nvPr/>
+        </p:nvSpPr>
+        <p:spPr>
+          <a:xfrm>
+            <a:off x="5532759" y="9525"/>
+            <a:ext cx="1781257" cy="707886"/>
+          </a:xfrm>
+          <a:prstGeom prst="rect">
+            <a:avLst/>
+          </a:prstGeom>
+          <a:noFill/>
+        </p:spPr>
+        <p:txBody>
+          <a:bodyPr wrap="none" rtlCol="0">
+            <a:spAutoFit/>
+          </a:bodyPr>
+          <a:lstStyle/>
+          <a:p>
+            <a:r>
+              <a:rPr lang="hu-HU" sz="4000" dirty="0" smtClean="0">
+                <a:latin typeface="Times New Roman" panose="02020603050405020304" pitchFamily="18" charset="0"/>
+                <a:cs typeface="Times New Roman" panose="02020603050405020304" pitchFamily="18" charset="0"/>
+              </a:rPr>
+              <a:t>Gyártás</a:t>
+            </a:r>
+            <a:endParaRPr lang="hu-HU" sz="4000" dirty="0">
+              <a:latin typeface="Times New Roman" panose="02020603050405020304" pitchFamily="18" charset="0"/>
+              <a:cs typeface="Times New Roman" panose="02020603050405020304" pitchFamily="18" charset="0"/>
+            </a:endParaRPr>
+          </a:p>
+        </p:txBody>
+      </p:sp>
+      <p:pic>
+        <p:nvPicPr>
+          <p:cNvPr id="3" name="Kép 2"/>
+          <p:cNvPicPr>
+            <a:picLocks noChangeAspect="1"/>
+          </p:cNvPicPr>
+          <p:nvPr/>
+        </p:nvPicPr>
+        <p:blipFill>
+          <a:blip r:embed="rId3" cstate="print">
+            <a:extLst>
+              <a:ext uri="{28A0092B-C50C-407E-A947-70E740481C1C}">
+                <a14:useLocalDpi xmlns:a14="http://schemas.microsoft.com/office/drawing/2010/main" val="0"/>
+              </a:ext>
+            </a:extLst>
+          </a:blip>
+          <a:stretch>
+            <a:fillRect/>
+          </a:stretch>
+        </p:blipFill>
+        <p:spPr>
+          <a:xfrm>
+            <a:off x="142041" y="1755636"/>
+            <a:ext cx="2099392" cy="2535782"/>
+          </a:xfrm>
+          <a:prstGeom prst="rect">
+            <a:avLst/>
+          </a:prstGeom>
+        </p:spPr>
+      </p:pic>
+      <p:sp>
+        <p:nvSpPr>
+          <p:cNvPr id="4" name="Szövegdoboz 3"/>
+          <p:cNvSpPr txBox="1"/>
+          <p:nvPr/>
+        </p:nvSpPr>
+        <p:spPr>
+          <a:xfrm>
+            <a:off x="0" y="4291418"/>
+            <a:ext cx="2441181" cy="584775"/>
+          </a:xfrm>
+          <a:prstGeom prst="rect">
+            <a:avLst/>
+          </a:prstGeom>
+          <a:noFill/>
+        </p:spPr>
+        <p:txBody>
+          <a:bodyPr wrap="none" rtlCol="0">
+            <a:spAutoFit/>
+          </a:bodyPr>
+          <a:lstStyle/>
+          <a:p>
+            <a:r>
+              <a:rPr lang="hu-HU" sz="1600" dirty="0" smtClean="0">
+                <a:latin typeface="Times New Roman" panose="02020603050405020304" pitchFamily="18" charset="0"/>
+                <a:cs typeface="Times New Roman" panose="02020603050405020304" pitchFamily="18" charset="0"/>
+              </a:rPr>
+              <a:t>BMW </a:t>
+            </a:r>
+            <a:r>
+              <a:rPr lang="hu-HU" sz="1600" dirty="0" err="1" smtClean="0">
+                <a:latin typeface="Times New Roman" panose="02020603050405020304" pitchFamily="18" charset="0"/>
+                <a:cs typeface="Times New Roman" panose="02020603050405020304" pitchFamily="18" charset="0"/>
+              </a:rPr>
+              <a:t>id</a:t>
+            </a:r>
+            <a:r>
+              <a:rPr lang="hu-HU" sz="1600" dirty="0" smtClean="0">
+                <a:latin typeface="Times New Roman" panose="02020603050405020304" pitchFamily="18" charset="0"/>
+                <a:cs typeface="Times New Roman" panose="02020603050405020304" pitchFamily="18" charset="0"/>
+              </a:rPr>
+              <a:t> </a:t>
+            </a:r>
+            <a:r>
+              <a:rPr lang="hu-HU" sz="1600" dirty="0" err="1">
+                <a:latin typeface="Times New Roman" panose="02020603050405020304" pitchFamily="18" charset="0"/>
+                <a:cs typeface="Times New Roman" panose="02020603050405020304" pitchFamily="18" charset="0"/>
+              </a:rPr>
+              <a:t>G</a:t>
+            </a:r>
+            <a:r>
+              <a:rPr lang="hu-HU" sz="1600" dirty="0" err="1" smtClean="0">
+                <a:latin typeface="Times New Roman" panose="02020603050405020304" pitchFamily="18" charset="0"/>
+                <a:cs typeface="Times New Roman" panose="02020603050405020304" pitchFamily="18" charset="0"/>
+              </a:rPr>
+              <a:t>eber</a:t>
+            </a:r>
+            <a:r>
+              <a:rPr lang="hu-HU" sz="1600" dirty="0" smtClean="0">
+                <a:latin typeface="Times New Roman" panose="02020603050405020304" pitchFamily="18" charset="0"/>
+                <a:cs typeface="Times New Roman" panose="02020603050405020304" pitchFamily="18" charset="0"/>
+              </a:rPr>
+              <a:t> okos kulcs:</a:t>
+            </a:r>
+          </a:p>
+          <a:p>
+            <a:r>
+              <a:rPr lang="hu-HU" sz="1600" dirty="0" smtClean="0">
+                <a:latin typeface="Times New Roman" panose="02020603050405020304" pitchFamily="18" charset="0"/>
+                <a:cs typeface="Times New Roman" panose="02020603050405020304" pitchFamily="18" charset="0"/>
+              </a:rPr>
+              <a:t>1 kulcs </a:t>
+            </a:r>
+            <a:r>
+              <a:rPr lang="hu-HU" sz="1600" dirty="0" err="1" smtClean="0">
+                <a:latin typeface="Times New Roman" panose="02020603050405020304" pitchFamily="18" charset="0"/>
+                <a:cs typeface="Times New Roman" panose="02020603050405020304" pitchFamily="18" charset="0"/>
+              </a:rPr>
+              <a:t>kb</a:t>
+            </a:r>
+            <a:r>
+              <a:rPr lang="hu-HU" sz="1600" dirty="0" smtClean="0">
+                <a:latin typeface="Times New Roman" panose="02020603050405020304" pitchFamily="18" charset="0"/>
+                <a:cs typeface="Times New Roman" panose="02020603050405020304" pitchFamily="18" charset="0"/>
+              </a:rPr>
+              <a:t> 1 millió Ft</a:t>
+            </a:r>
+            <a:endParaRPr lang="hu-HU" sz="1600" dirty="0">
+              <a:latin typeface="Times New Roman" panose="02020603050405020304" pitchFamily="18" charset="0"/>
+              <a:cs typeface="Times New Roman" panose="02020603050405020304" pitchFamily="18" charset="0"/>
+            </a:endParaRPr>
+          </a:p>
+        </p:txBody>
+      </p:sp>
+      <p:sp>
+        <p:nvSpPr>
+          <p:cNvPr id="5" name="Szövegdoboz 4"/>
+          <p:cNvSpPr txBox="1"/>
+          <p:nvPr/>
+        </p:nvSpPr>
+        <p:spPr>
+          <a:xfrm>
+            <a:off x="525529" y="4874061"/>
+            <a:ext cx="1332416" cy="276999"/>
+          </a:xfrm>
+          <a:prstGeom prst="rect">
+            <a:avLst/>
+          </a:prstGeom>
+          <a:noFill/>
+        </p:spPr>
+        <p:txBody>
+          <a:bodyPr wrap="none" rtlCol="0">
+            <a:spAutoFit/>
+          </a:bodyPr>
+          <a:lstStyle/>
+          <a:p>
+            <a:r>
+              <a:rPr lang="hu-HU" sz="1200" dirty="0">
+                <a:latin typeface="Times New Roman" panose="02020603050405020304" pitchFamily="18" charset="0"/>
+                <a:cs typeface="Times New Roman" panose="02020603050405020304" pitchFamily="18" charset="0"/>
+              </a:rPr>
+              <a:t>Forrás: dkgcc.com</a:t>
+            </a:r>
+          </a:p>
+        </p:txBody>
+      </p:sp>
+      <p:pic>
+        <p:nvPicPr>
+          <p:cNvPr id="6" name="Kép 5"/>
+          <p:cNvPicPr>
+            <a:picLocks noChangeAspect="1"/>
+          </p:cNvPicPr>
+          <p:nvPr/>
+        </p:nvPicPr>
+        <p:blipFill>
+          <a:blip r:embed="rId4">
+            <a:extLst>
+              <a:ext uri="{28A0092B-C50C-407E-A947-70E740481C1C}">
+                <a14:useLocalDpi xmlns:a14="http://schemas.microsoft.com/office/drawing/2010/main" val="0"/>
+              </a:ext>
+            </a:extLst>
+          </a:blip>
+          <a:stretch>
+            <a:fillRect/>
+          </a:stretch>
+        </p:blipFill>
+        <p:spPr>
+          <a:xfrm>
+            <a:off x="3343275" y="1755636"/>
+            <a:ext cx="2533650" cy="2533650"/>
+          </a:xfrm>
+          <a:prstGeom prst="rect">
+            <a:avLst/>
+          </a:prstGeom>
+        </p:spPr>
+      </p:pic>
+      <p:sp>
+        <p:nvSpPr>
+          <p:cNvPr id="7" name="Szövegdoboz 6"/>
+          <p:cNvSpPr txBox="1"/>
+          <p:nvPr/>
+        </p:nvSpPr>
+        <p:spPr>
+          <a:xfrm>
+            <a:off x="3660961" y="4289286"/>
+            <a:ext cx="1955985" cy="584775"/>
+          </a:xfrm>
+          <a:prstGeom prst="rect">
+            <a:avLst/>
+          </a:prstGeom>
+          <a:noFill/>
+        </p:spPr>
+        <p:txBody>
+          <a:bodyPr wrap="none" rtlCol="0">
+            <a:spAutoFit/>
+          </a:bodyPr>
+          <a:lstStyle/>
+          <a:p>
+            <a:r>
+              <a:rPr lang="hu-HU" sz="1600" dirty="0" smtClean="0">
+                <a:latin typeface="Times New Roman" panose="02020603050405020304" pitchFamily="18" charset="0"/>
+                <a:cs typeface="Times New Roman" panose="02020603050405020304" pitchFamily="18" charset="0"/>
+              </a:rPr>
+              <a:t>Renault </a:t>
+            </a:r>
+            <a:r>
+              <a:rPr lang="hu-HU" sz="1600" dirty="0" err="1" smtClean="0">
+                <a:latin typeface="Times New Roman" panose="02020603050405020304" pitchFamily="18" charset="0"/>
+                <a:cs typeface="Times New Roman" panose="02020603050405020304" pitchFamily="18" charset="0"/>
+              </a:rPr>
+              <a:t>foldable</a:t>
+            </a:r>
+            <a:r>
+              <a:rPr lang="hu-HU" sz="1600" dirty="0" smtClean="0">
+                <a:latin typeface="Times New Roman" panose="02020603050405020304" pitchFamily="18" charset="0"/>
+                <a:cs typeface="Times New Roman" panose="02020603050405020304" pitchFamily="18" charset="0"/>
+              </a:rPr>
+              <a:t> </a:t>
+            </a:r>
+            <a:r>
+              <a:rPr lang="hu-HU" sz="1600" dirty="0" err="1" smtClean="0">
+                <a:latin typeface="Times New Roman" panose="02020603050405020304" pitchFamily="18" charset="0"/>
+                <a:cs typeface="Times New Roman" panose="02020603050405020304" pitchFamily="18" charset="0"/>
+              </a:rPr>
+              <a:t>key</a:t>
+            </a:r>
+            <a:r>
+              <a:rPr lang="hu-HU" sz="1600" dirty="0" smtClean="0">
+                <a:latin typeface="Times New Roman" panose="02020603050405020304" pitchFamily="18" charset="0"/>
+                <a:cs typeface="Times New Roman" panose="02020603050405020304" pitchFamily="18" charset="0"/>
+              </a:rPr>
+              <a:t>:</a:t>
+            </a:r>
+          </a:p>
+          <a:p>
+            <a:r>
+              <a:rPr lang="hu-HU" sz="1600" dirty="0" smtClean="0">
+                <a:latin typeface="Times New Roman" panose="02020603050405020304" pitchFamily="18" charset="0"/>
+                <a:cs typeface="Times New Roman" panose="02020603050405020304" pitchFamily="18" charset="0"/>
+              </a:rPr>
+              <a:t>1 kulcs 500 E Ft</a:t>
+            </a:r>
+            <a:endParaRPr lang="hu-HU" sz="1600" dirty="0">
+              <a:latin typeface="Times New Roman" panose="02020603050405020304" pitchFamily="18" charset="0"/>
+              <a:cs typeface="Times New Roman" panose="02020603050405020304" pitchFamily="18" charset="0"/>
+            </a:endParaRPr>
+          </a:p>
+        </p:txBody>
+      </p:sp>
+      <p:sp>
+        <p:nvSpPr>
+          <p:cNvPr id="8" name="Téglalap 7"/>
+          <p:cNvSpPr/>
+          <p:nvPr/>
+        </p:nvSpPr>
+        <p:spPr>
+          <a:xfrm>
+            <a:off x="3696965" y="4874061"/>
+            <a:ext cx="1826269" cy="276999"/>
+          </a:xfrm>
+          <a:prstGeom prst="rect">
+            <a:avLst/>
+          </a:prstGeom>
+        </p:spPr>
+        <p:txBody>
+          <a:bodyPr wrap="none">
+            <a:spAutoFit/>
+          </a:bodyPr>
+          <a:lstStyle/>
+          <a:p>
+            <a:r>
+              <a:rPr lang="hu-HU" sz="1200" dirty="0">
+                <a:latin typeface="Times New Roman" panose="02020603050405020304" pitchFamily="18" charset="0"/>
+                <a:cs typeface="Times New Roman" panose="02020603050405020304" pitchFamily="18" charset="0"/>
+              </a:rPr>
+              <a:t>Forrás: </a:t>
+            </a:r>
+            <a:r>
+              <a:rPr lang="hu-HU" sz="1200" dirty="0" smtClean="0">
+                <a:latin typeface="Times New Roman" panose="02020603050405020304" pitchFamily="18" charset="0"/>
+                <a:cs typeface="Times New Roman" panose="02020603050405020304" pitchFamily="18" charset="0"/>
+              </a:rPr>
+              <a:t>keypartner-bg.com</a:t>
+            </a:r>
+            <a:endParaRPr lang="hu-HU" sz="1200" dirty="0">
+              <a:latin typeface="Times New Roman" panose="02020603050405020304" pitchFamily="18" charset="0"/>
+              <a:cs typeface="Times New Roman" panose="02020603050405020304" pitchFamily="18" charset="0"/>
+            </a:endParaRPr>
+          </a:p>
+        </p:txBody>
+      </p:sp>
+      <p:pic>
+        <p:nvPicPr>
+          <p:cNvPr id="9" name="Kép 8"/>
+          <p:cNvPicPr>
+            <a:picLocks noChangeAspect="1"/>
+          </p:cNvPicPr>
+          <p:nvPr/>
+        </p:nvPicPr>
+        <p:blipFill>
+          <a:blip r:embed="rId5">
+            <a:extLst>
+              <a:ext uri="{28A0092B-C50C-407E-A947-70E740481C1C}">
+                <a14:useLocalDpi xmlns:a14="http://schemas.microsoft.com/office/drawing/2010/main" val="0"/>
+              </a:ext>
+            </a:extLst>
+          </a:blip>
+          <a:stretch>
+            <a:fillRect/>
+          </a:stretch>
+        </p:blipFill>
+        <p:spPr>
+          <a:xfrm>
+            <a:off x="7172766" y="1720938"/>
+            <a:ext cx="1438275" cy="2568348"/>
+          </a:xfrm>
+          <a:prstGeom prst="rect">
+            <a:avLst/>
+          </a:prstGeom>
+        </p:spPr>
+      </p:pic>
+      <p:sp>
+        <p:nvSpPr>
+          <p:cNvPr id="10" name="Szövegdoboz 9"/>
+          <p:cNvSpPr txBox="1"/>
+          <p:nvPr/>
+        </p:nvSpPr>
+        <p:spPr>
+          <a:xfrm>
+            <a:off x="7482175" y="4289286"/>
+            <a:ext cx="819455" cy="338554"/>
+          </a:xfrm>
+          <a:prstGeom prst="rect">
+            <a:avLst/>
+          </a:prstGeom>
+          <a:noFill/>
+        </p:spPr>
+        <p:txBody>
+          <a:bodyPr wrap="none" rtlCol="0">
+            <a:spAutoFit/>
+          </a:bodyPr>
+          <a:lstStyle/>
+          <a:p>
+            <a:r>
+              <a:rPr lang="hu-HU" sz="1600" dirty="0" err="1" smtClean="0">
+                <a:latin typeface="Times New Roman" panose="02020603050405020304" pitchFamily="18" charset="0"/>
+                <a:cs typeface="Times New Roman" panose="02020603050405020304" pitchFamily="18" charset="0"/>
+              </a:rPr>
+              <a:t>Iml</a:t>
+            </a:r>
+            <a:r>
+              <a:rPr lang="hu-HU" sz="1600" dirty="0" smtClean="0">
+                <a:latin typeface="Times New Roman" panose="02020603050405020304" pitchFamily="18" charset="0"/>
+                <a:cs typeface="Times New Roman" panose="02020603050405020304" pitchFamily="18" charset="0"/>
+              </a:rPr>
+              <a:t> </a:t>
+            </a:r>
+            <a:r>
+              <a:rPr lang="hu-HU" sz="1600" dirty="0" err="1" smtClean="0">
+                <a:latin typeface="Times New Roman" panose="02020603050405020304" pitchFamily="18" charset="0"/>
+                <a:cs typeface="Times New Roman" panose="02020603050405020304" pitchFamily="18" charset="0"/>
+              </a:rPr>
+              <a:t>key</a:t>
+            </a:r>
+            <a:endParaRPr lang="hu-HU" sz="1600" dirty="0">
+              <a:latin typeface="Times New Roman" panose="02020603050405020304" pitchFamily="18" charset="0"/>
+              <a:cs typeface="Times New Roman" panose="02020603050405020304" pitchFamily="18" charset="0"/>
+            </a:endParaRPr>
+          </a:p>
+        </p:txBody>
+      </p:sp>
+      <p:sp>
+        <p:nvSpPr>
+          <p:cNvPr id="11" name="Téglalap 10"/>
+          <p:cNvSpPr/>
+          <p:nvPr/>
+        </p:nvSpPr>
+        <p:spPr>
+          <a:xfrm>
+            <a:off x="6978767" y="4636055"/>
+            <a:ext cx="1826269" cy="276999"/>
+          </a:xfrm>
+          <a:prstGeom prst="rect">
+            <a:avLst/>
+          </a:prstGeom>
+        </p:spPr>
+        <p:txBody>
+          <a:bodyPr wrap="none">
+            <a:spAutoFit/>
+          </a:bodyPr>
+          <a:lstStyle/>
+          <a:p>
+            <a:r>
+              <a:rPr lang="hu-HU" sz="1200" dirty="0">
+                <a:latin typeface="Times New Roman" panose="02020603050405020304" pitchFamily="18" charset="0"/>
+                <a:cs typeface="Times New Roman" panose="02020603050405020304" pitchFamily="18" charset="0"/>
+              </a:rPr>
+              <a:t>Forrás: keypartner-bg.com</a:t>
+            </a:r>
+          </a:p>
+        </p:txBody>
+      </p:sp>
+      <p:pic>
+        <p:nvPicPr>
+          <p:cNvPr id="12" name="Kép 11"/>
+          <p:cNvPicPr>
+            <a:picLocks noChangeAspect="1"/>
+          </p:cNvPicPr>
+          <p:nvPr/>
+        </p:nvPicPr>
+        <p:blipFill>
+          <a:blip r:embed="rId6">
+            <a:extLst>
+              <a:ext uri="{28A0092B-C50C-407E-A947-70E740481C1C}">
+                <a14:useLocalDpi xmlns:a14="http://schemas.microsoft.com/office/drawing/2010/main" val="0"/>
+              </a:ext>
+            </a:extLst>
+          </a:blip>
+          <a:stretch>
+            <a:fillRect/>
+          </a:stretch>
+        </p:blipFill>
+        <p:spPr>
+          <a:xfrm>
+            <a:off x="9529762" y="1720938"/>
+            <a:ext cx="2528888" cy="2528888"/>
+          </a:xfrm>
+          <a:prstGeom prst="rect">
+            <a:avLst/>
+          </a:prstGeom>
+        </p:spPr>
+      </p:pic>
+      <p:sp>
+        <p:nvSpPr>
+          <p:cNvPr id="13" name="Szövegdoboz 12"/>
+          <p:cNvSpPr txBox="1"/>
+          <p:nvPr/>
+        </p:nvSpPr>
+        <p:spPr>
+          <a:xfrm>
+            <a:off x="10017391" y="4297501"/>
+            <a:ext cx="1736373" cy="584775"/>
+          </a:xfrm>
+          <a:prstGeom prst="rect">
+            <a:avLst/>
+          </a:prstGeom>
+          <a:noFill/>
+        </p:spPr>
+        <p:txBody>
+          <a:bodyPr wrap="none" rtlCol="0">
+            <a:spAutoFit/>
+          </a:bodyPr>
+          <a:lstStyle/>
+          <a:p>
+            <a:r>
+              <a:rPr lang="hu-HU" sz="1600" dirty="0" err="1" smtClean="0">
+                <a:latin typeface="Times New Roman" panose="02020603050405020304" pitchFamily="18" charset="0"/>
+                <a:cs typeface="Times New Roman" panose="02020603050405020304" pitchFamily="18" charset="0"/>
+              </a:rPr>
+              <a:t>Bsi</a:t>
+            </a:r>
+            <a:r>
+              <a:rPr lang="hu-HU" sz="1600" dirty="0" smtClean="0">
+                <a:latin typeface="Times New Roman" panose="02020603050405020304" pitchFamily="18" charset="0"/>
+                <a:cs typeface="Times New Roman" panose="02020603050405020304" pitchFamily="18" charset="0"/>
+              </a:rPr>
+              <a:t> </a:t>
+            </a:r>
+            <a:r>
+              <a:rPr lang="hu-HU" sz="1600" dirty="0" err="1" smtClean="0">
+                <a:latin typeface="Times New Roman" panose="02020603050405020304" pitchFamily="18" charset="0"/>
+                <a:cs typeface="Times New Roman" panose="02020603050405020304" pitchFamily="18" charset="0"/>
+              </a:rPr>
+              <a:t>Power-board</a:t>
+            </a:r>
+            <a:r>
+              <a:rPr lang="hu-HU" sz="1600" dirty="0" smtClean="0">
+                <a:latin typeface="Times New Roman" panose="02020603050405020304" pitchFamily="18" charset="0"/>
+                <a:cs typeface="Times New Roman" panose="02020603050405020304" pitchFamily="18" charset="0"/>
+              </a:rPr>
+              <a:t>:</a:t>
+            </a:r>
+          </a:p>
+          <a:p>
+            <a:r>
+              <a:rPr lang="hu-HU" sz="1600" dirty="0" smtClean="0">
+                <a:latin typeface="Times New Roman" panose="02020603050405020304" pitchFamily="18" charset="0"/>
+                <a:cs typeface="Times New Roman" panose="02020603050405020304" pitchFamily="18" charset="0"/>
+              </a:rPr>
+              <a:t>1 db 800-1000 E ft</a:t>
+            </a:r>
+            <a:endParaRPr lang="hu-HU" sz="1600" dirty="0">
+              <a:latin typeface="Times New Roman" panose="02020603050405020304" pitchFamily="18" charset="0"/>
+              <a:cs typeface="Times New Roman" panose="02020603050405020304" pitchFamily="18" charset="0"/>
+            </a:endParaRPr>
+          </a:p>
+        </p:txBody>
+      </p:sp>
+      <p:sp>
+        <p:nvSpPr>
+          <p:cNvPr id="14" name="Téglalap 13"/>
+          <p:cNvSpPr/>
+          <p:nvPr/>
+        </p:nvSpPr>
+        <p:spPr>
+          <a:xfrm>
+            <a:off x="10108184" y="4874060"/>
+            <a:ext cx="1554785" cy="276999"/>
+          </a:xfrm>
+          <a:prstGeom prst="rect">
+            <a:avLst/>
+          </a:prstGeom>
+        </p:spPr>
+        <p:txBody>
+          <a:bodyPr wrap="none">
+            <a:spAutoFit/>
+          </a:bodyPr>
+          <a:lstStyle/>
+          <a:p>
+            <a:r>
+              <a:rPr lang="hu-HU" sz="1200" dirty="0">
+                <a:latin typeface="Times New Roman" panose="02020603050405020304" pitchFamily="18" charset="0"/>
+                <a:cs typeface="Times New Roman" panose="02020603050405020304" pitchFamily="18" charset="0"/>
+              </a:rPr>
+              <a:t>Forrás: </a:t>
+            </a:r>
+            <a:r>
+              <a:rPr lang="hu-HU" sz="1200" dirty="0" smtClean="0">
+                <a:latin typeface="Times New Roman" panose="02020603050405020304" pitchFamily="18" charset="0"/>
+                <a:cs typeface="Times New Roman" panose="02020603050405020304" pitchFamily="18" charset="0"/>
+              </a:rPr>
+              <a:t>Autotech24.eu</a:t>
+            </a:r>
+          </a:p>
+        </p:txBody>
+      </p:sp>
+    </p:spTree>
+    <p:extLst>
+      <p:ext uri="{BB962C8B-B14F-4D97-AF65-F5344CB8AC3E}">
+        <p14:creationId xmlns:p14="http://schemas.microsoft.com/office/powerpoint/2010/main" val="2778136750"/>
+      </p:ext>
+    </p:extLst>
+  </p:cSld>
+  <p:clrMapOvr>
+    <a:masterClrMapping/>
+  </p:clrMapOvr>
+  <p:timing>
+    <p:tnLst>
+      <p:par>
+        <p:cTn id="1" dur="indefinite" restart="never" nodeType="tmRoot"/>
+      </p:par>
+    </p:tnLst>
+  </p:timing>
+</p:sld>
+</file>
+
+<file path=ppt/slides/slide9.xml><?xml version="1.0" encoding="utf-8"?>
+<p:sld xmlns:a="http://schemas.openxmlformats.org/drawingml/2006/main" xmlns:r="http://schemas.openxmlformats.org/officeDocument/2006/relationships" xmlns:p="http://schemas.openxmlformats.org/presentationml/2006/main">
+  <p:cSld>
+    <p:bg>
+      <p:bgPr>
+        <a:blipFill>
+          <a:blip r:embed="rId2"/>
+          <a:tile tx="0" ty="0" sx="100000" sy="100000" flip="none" algn="tl"/>
+        </a:blipFill>
+        <a:effectLst/>
+      </p:bgPr>
+    </p:bg>
+    <p:spTree>
+      <p:nvGrpSpPr>
+        <p:cNvPr id="1" name=""/>
+        <p:cNvGrpSpPr/>
+        <p:nvPr/>
+      </p:nvGrpSpPr>
+      <p:grpSpPr>
+        <a:xfrm>
+          <a:off x="0" y="0"/>
+          <a:ext cx="0" cy="0"/>
+          <a:chOff x="0" y="0"/>
+          <a:chExt cx="0" cy="0"/>
+        </a:xfrm>
+      </p:grpSpPr>
+      <p:sp>
+        <p:nvSpPr>
+          <p:cNvPr id="2" name="Téglalap 1"/>
+          <p:cNvSpPr/>
+          <p:nvPr/>
+        </p:nvSpPr>
+        <p:spPr>
+          <a:xfrm>
+            <a:off x="5511244" y="9525"/>
+            <a:ext cx="1781257" cy="707886"/>
+          </a:xfrm>
+          <a:prstGeom prst="rect">
+            <a:avLst/>
+          </a:prstGeom>
+        </p:spPr>
+        <p:txBody>
+          <a:bodyPr wrap="none">
+            <a:spAutoFit/>
+          </a:bodyPr>
+          <a:lstStyle/>
+          <a:p>
+            <a:r>
+              <a:rPr lang="hu-HU" sz="4000" dirty="0">
+                <a:latin typeface="Times New Roman" panose="02020603050405020304" pitchFamily="18" charset="0"/>
+                <a:cs typeface="Times New Roman" panose="02020603050405020304" pitchFamily="18" charset="0"/>
+              </a:rPr>
+              <a:t>Gyártás</a:t>
+            </a:r>
+            <a:endParaRPr lang="hu-HU" sz="4000" dirty="0"/>
+          </a:p>
+        </p:txBody>
+      </p:sp>
+      <p:pic>
+        <p:nvPicPr>
+          <p:cNvPr id="3" name="Kép 2"/>
+          <p:cNvPicPr>
+            <a:picLocks noChangeAspect="1"/>
+          </p:cNvPicPr>
+          <p:nvPr/>
+        </p:nvPicPr>
+        <p:blipFill>
+          <a:blip r:embed="rId3">
+            <a:extLst>
+              <a:ext uri="{28A0092B-C50C-407E-A947-70E740481C1C}">
+                <a14:useLocalDpi xmlns:a14="http://schemas.microsoft.com/office/drawing/2010/main" val="0"/>
+              </a:ext>
+            </a:extLst>
+          </a:blip>
+          <a:stretch>
+            <a:fillRect/>
+          </a:stretch>
+        </p:blipFill>
+        <p:spPr>
+          <a:xfrm>
+            <a:off x="897142" y="1495424"/>
+            <a:ext cx="5147502" cy="2079625"/>
+          </a:xfrm>
+          <a:prstGeom prst="rect">
+            <a:avLst/>
+          </a:prstGeom>
+        </p:spPr>
+      </p:pic>
+      <p:sp>
+        <p:nvSpPr>
+          <p:cNvPr id="4" name="Szövegdoboz 3"/>
+          <p:cNvSpPr txBox="1"/>
+          <p:nvPr/>
+        </p:nvSpPr>
+        <p:spPr>
+          <a:xfrm>
+            <a:off x="2488091" y="3575049"/>
+            <a:ext cx="1965603" cy="338554"/>
+          </a:xfrm>
+          <a:prstGeom prst="rect">
+            <a:avLst/>
+          </a:prstGeom>
+          <a:noFill/>
+        </p:spPr>
+        <p:txBody>
+          <a:bodyPr wrap="none" rtlCol="0">
+            <a:spAutoFit/>
+          </a:bodyPr>
+          <a:lstStyle/>
+          <a:p>
+            <a:r>
+              <a:rPr lang="hu-HU" sz="1600" dirty="0" smtClean="0">
+                <a:latin typeface="Times New Roman" panose="02020603050405020304" pitchFamily="18" charset="0"/>
+                <a:cs typeface="Times New Roman" panose="02020603050405020304" pitchFamily="18" charset="0"/>
+              </a:rPr>
+              <a:t>Kormánykapcsolórúd</a:t>
+            </a:r>
+            <a:endParaRPr lang="hu-HU" sz="1600" dirty="0">
+              <a:latin typeface="Times New Roman" panose="02020603050405020304" pitchFamily="18" charset="0"/>
+              <a:cs typeface="Times New Roman" panose="02020603050405020304" pitchFamily="18" charset="0"/>
+            </a:endParaRPr>
+          </a:p>
+        </p:txBody>
+      </p:sp>
+      <p:pic>
+        <p:nvPicPr>
+          <p:cNvPr id="5" name="Kép 4"/>
+          <p:cNvPicPr>
+            <a:picLocks noChangeAspect="1"/>
+          </p:cNvPicPr>
+          <p:nvPr/>
+        </p:nvPicPr>
+        <p:blipFill>
+          <a:blip r:embed="rId4">
+            <a:extLst>
+              <a:ext uri="{28A0092B-C50C-407E-A947-70E740481C1C}">
+                <a14:useLocalDpi xmlns:a14="http://schemas.microsoft.com/office/drawing/2010/main" val="0"/>
+              </a:ext>
+            </a:extLst>
+          </a:blip>
+          <a:stretch>
+            <a:fillRect/>
+          </a:stretch>
+        </p:blipFill>
+        <p:spPr>
+          <a:xfrm>
+            <a:off x="7658100" y="1495424"/>
+            <a:ext cx="3114675" cy="2076450"/>
+          </a:xfrm>
+          <a:prstGeom prst="rect">
+            <a:avLst/>
+          </a:prstGeom>
+        </p:spPr>
+      </p:pic>
+      <p:sp>
+        <p:nvSpPr>
+          <p:cNvPr id="6" name="Szövegdoboz 5"/>
+          <p:cNvSpPr txBox="1"/>
+          <p:nvPr/>
+        </p:nvSpPr>
+        <p:spPr>
+          <a:xfrm>
+            <a:off x="8477094" y="3575049"/>
+            <a:ext cx="1476686" cy="338554"/>
+          </a:xfrm>
+          <a:prstGeom prst="rect">
+            <a:avLst/>
+          </a:prstGeom>
+          <a:noFill/>
+        </p:spPr>
+        <p:txBody>
+          <a:bodyPr wrap="none" rtlCol="0">
+            <a:spAutoFit/>
+          </a:bodyPr>
+          <a:lstStyle/>
+          <a:p>
+            <a:r>
+              <a:rPr lang="hu-HU" sz="1600" dirty="0" smtClean="0">
+                <a:latin typeface="Times New Roman" panose="02020603050405020304" pitchFamily="18" charset="0"/>
+                <a:cs typeface="Times New Roman" panose="02020603050405020304" pitchFamily="18" charset="0"/>
+              </a:rPr>
+              <a:t>Ablaktörlőlapát</a:t>
+            </a:r>
+            <a:endParaRPr lang="hu-HU" sz="1600" dirty="0">
+              <a:latin typeface="Times New Roman" panose="02020603050405020304" pitchFamily="18" charset="0"/>
+              <a:cs typeface="Times New Roman" panose="02020603050405020304" pitchFamily="18" charset="0"/>
+            </a:endParaRPr>
+          </a:p>
+        </p:txBody>
+      </p:sp>
+    </p:spTree>
+    <p:extLst>
+      <p:ext uri="{BB962C8B-B14F-4D97-AF65-F5344CB8AC3E}">
+        <p14:creationId xmlns:p14="http://schemas.microsoft.com/office/powerpoint/2010/main" val="2405225118"/>
+      </p:ext>
+    </p:extLst>
+  </p:cSld>
+  <p:clrMapOvr>
+    <a:masterClrMapping/>
+  </p:clrMapOvr>
+</p:sld>
+</file>
+
 <file path=ppt/theme/theme1.xml><?xml version="1.0" encoding="utf-8"?>
 <a:theme xmlns:a="http://schemas.openxmlformats.org/drawingml/2006/main" name="Office-téma">
   <a:themeElements>
